--- a/01 - Documentation/GreenTime.pptx
+++ b/01 - Documentation/GreenTime.pptx
@@ -773,15 +773,15 @@
             </a:r>
             <a:r>
               <a:rPr lang="en-US" dirty="0"/>
+              <a:t>, </a:t>
+            </a:r>
+            <a:r>
+              <a:rPr lang="en-US" dirty="0" err="1"/>
+              <a:t>seremos</a:t>
+            </a:r>
+            <a:r>
+              <a:rPr lang="en-US" dirty="0"/>
               <a:t> </a:t>
-            </a:r>
-            <a:r>
-              <a:rPr lang="en-US" dirty="0" err="1"/>
-              <a:t>vamos</a:t>
-            </a:r>
-            <a:r>
-              <a:rPr lang="en-US" dirty="0"/>
-              <a:t> ser </a:t>
             </a:r>
             <a:r>
               <a:rPr lang="en-US" dirty="0" err="1"/>
@@ -891,7 +891,7 @@
             </a:r>
             <a:r>
               <a:rPr lang="en-US" dirty="0" err="1"/>
-              <a:t>composta</a:t>
+              <a:t>composto</a:t>
             </a:r>
             <a:r>
               <a:rPr lang="en-US" dirty="0"/>
@@ -942,7 +942,7 @@
             </a:r>
             <a:r>
               <a:rPr lang="en-US" dirty="0" err="1"/>
-              <a:t>papeis</a:t>
+              <a:t>papéis</a:t>
             </a:r>
             <a:r>
               <a:rPr lang="en-US" dirty="0"/>
@@ -954,7 +954,15 @@
             </a:r>
             <a:r>
               <a:rPr lang="en-US" dirty="0"/>
-              <a:t> construer a </a:t>
+              <a:t> </a:t>
+            </a:r>
+            <a:r>
+              <a:rPr lang="en-US" dirty="0" err="1"/>
+              <a:t>construir</a:t>
+            </a:r>
+            <a:r>
+              <a:rPr lang="en-US" dirty="0"/>
+              <a:t> a </a:t>
             </a:r>
             <a:r>
               <a:rPr lang="en-US" dirty="0" err="1"/>
@@ -1069,7 +1077,7 @@
             </a:r>
             <a:r>
               <a:rPr lang="en-US" dirty="0"/>
-              <a:t> é de </a:t>
+              <a:t> de </a:t>
             </a:r>
             <a:r>
               <a:rPr lang="en-US" dirty="0" err="1"/>
@@ -1077,7 +1085,23 @@
             </a:r>
             <a:r>
               <a:rPr lang="en-US" dirty="0"/>
-              <a:t> um app para </a:t>
+              <a:t> </a:t>
+            </a:r>
+            <a:r>
+              <a:rPr lang="en-US" dirty="0" err="1"/>
+              <a:t>uma</a:t>
+            </a:r>
+            <a:r>
+              <a:rPr lang="en-US" dirty="0"/>
+              <a:t> </a:t>
+            </a:r>
+            <a:r>
+              <a:rPr lang="en-US" dirty="0" err="1"/>
+              <a:t>aplicação</a:t>
+            </a:r>
+            <a:r>
+              <a:rPr lang="en-US" dirty="0"/>
+              <a:t> para </a:t>
             </a:r>
             <a:r>
               <a:rPr lang="en-US" dirty="0" err="1"/>
@@ -1101,7 +1125,7 @@
             </a:r>
             <a:r>
               <a:rPr lang="en-US" dirty="0"/>
-              <a:t> Plataforma </a:t>
+              <a:t> Plataforma, </a:t>
             </a:r>
             <a:r>
               <a:rPr lang="en-US" dirty="0" err="1"/>
@@ -1256,7 +1280,7 @@
             </a:r>
             <a:r>
               <a:rPr lang="en-US" dirty="0"/>
-              <a:t> ser </a:t>
+              <a:t> para ser </a:t>
             </a:r>
             <a:r>
               <a:rPr lang="en-US" dirty="0" err="1"/>
@@ -1312,7 +1336,7 @@
             </a:r>
             <a:r>
               <a:rPr lang="en-US" dirty="0"/>
-              <a:t>, e Reports.</a:t>
+              <a:t>, e Reports)</a:t>
             </a:r>
           </a:p>
           <a:p>
@@ -1440,11 +1464,11 @@
             </a:r>
             <a:r>
               <a:rPr lang="en-US" dirty="0" err="1"/>
-              <a:t>basicos</a:t>
+              <a:t>básicos</a:t>
             </a:r>
             <a:r>
               <a:rPr lang="en-US" dirty="0"/>
-              <a:t> mas </a:t>
+              <a:t>, mas </a:t>
             </a:r>
             <a:r>
               <a:rPr lang="en-US" dirty="0" err="1"/>
@@ -1590,7 +1614,15 @@
             </a:r>
             <a:r>
               <a:rPr lang="en-US" dirty="0"/>
-              <a:t> de API com tokens para envoi das </a:t>
+              <a:t> de API com tokens para </a:t>
+            </a:r>
+            <a:r>
+              <a:rPr lang="en-US" dirty="0" err="1"/>
+              <a:t>envio</a:t>
+            </a:r>
+            <a:r>
+              <a:rPr lang="en-US" dirty="0"/>
+              <a:t> das </a:t>
             </a:r>
             <a:r>
               <a:rPr lang="en-US" dirty="0" err="1"/>
@@ -1650,7 +1682,7 @@
             </a:r>
             <a:r>
               <a:rPr lang="en-US" dirty="0" err="1"/>
-              <a:t>assincrono</a:t>
+              <a:t>assíncrono</a:t>
             </a:r>
             <a:r>
               <a:rPr lang="en-US" dirty="0"/>
@@ -1824,7 +1856,15 @@
             </a:r>
             <a:r>
               <a:rPr lang="en-US" dirty="0" err="1"/>
-              <a:t>problemas</a:t>
+              <a:t>problema</a:t>
+            </a:r>
+            <a:r>
+              <a:rPr lang="en-US" dirty="0"/>
+              <a:t>, </a:t>
+            </a:r>
+            <a:r>
+              <a:rPr lang="en-US" dirty="0" err="1"/>
+              <a:t>desenhamos</a:t>
             </a:r>
             <a:r>
               <a:rPr lang="en-US" dirty="0"/>
@@ -1832,7 +1872,7 @@
             </a:r>
             <a:r>
               <a:rPr lang="en-US" dirty="0" err="1"/>
-              <a:t>desenhamos</a:t>
+              <a:t>os</a:t>
             </a:r>
             <a:r>
               <a:rPr lang="en-US" dirty="0"/>
@@ -1840,7 +1880,7 @@
             </a:r>
             <a:r>
               <a:rPr lang="en-US" dirty="0" err="1"/>
-              <a:t>os</a:t>
+              <a:t>seguinte</a:t>
             </a:r>
             <a:r>
               <a:rPr lang="en-US" dirty="0"/>
@@ -1848,7 +1888,17 @@
             </a:r>
             <a:r>
               <a:rPr lang="en-US" dirty="0" err="1"/>
-              <a:t>seguinte</a:t>
+              <a:t>requisitos</a:t>
+            </a:r>
+            <a:r>
+              <a:rPr lang="en-US" dirty="0"/>
+              <a:t>.</a:t>
+            </a:r>
+          </a:p>
+          <a:p>
+            <a:r>
+              <a:rPr lang="en-US" dirty="0" err="1"/>
+              <a:t>Ações</a:t>
             </a:r>
             <a:r>
               <a:rPr lang="en-US" dirty="0"/>
@@ -1856,27 +1906,12 @@
             </a:r>
             <a:r>
               <a:rPr lang="en-US" dirty="0" err="1"/>
-              <a:t>requisitos</a:t>
+              <a:t>Administrativas</a:t>
             </a:r>
             <a:r>
               <a:rPr lang="en-US" dirty="0"/>
-              <a:t>.</a:t>
-            </a:r>
-          </a:p>
-          <a:p>
-            <a:r>
-              <a:rPr lang="en-US" dirty="0" err="1"/>
-              <a:t>Ações</a:t>
-            </a:r>
-            <a:r>
-              <a:rPr lang="en-US" dirty="0"/>
-              <a:t> </a:t>
-            </a:r>
-            <a:r>
-              <a:rPr lang="en-US" dirty="0" err="1"/>
-              <a:t>Administrativas</a:t>
-            </a:r>
-            <a:endParaRPr lang="en-US" dirty="0"/>
+              <a:t>:</a:t>
+            </a:r>
           </a:p>
           <a:p>
             <a:pPr marL="171450" indent="-171450">
@@ -1963,7 +1998,7 @@
             </a:r>
             <a:r>
               <a:rPr lang="en-US" dirty="0" err="1"/>
-              <a:t>instancia</a:t>
+              <a:t>instância</a:t>
             </a:r>
             <a:r>
               <a:rPr lang="en-US" dirty="0"/>
@@ -2063,7 +2098,7 @@
             </a:r>
             <a:r>
               <a:rPr lang="en-US" dirty="0"/>
-              <a:t> o tempo </a:t>
+              <a:t> o tempo, </a:t>
             </a:r>
             <a:r>
               <a:rPr lang="en-US" dirty="0" err="1"/>
@@ -2130,7 +2165,10 @@
               <a:rPr lang="en-US" dirty="0" err="1"/>
               <a:t>Operativas</a:t>
             </a:r>
-            <a:endParaRPr lang="en-US" dirty="0"/>
+            <a:r>
+              <a:rPr lang="en-US" dirty="0"/>
+              <a:t>:</a:t>
+            </a:r>
           </a:p>
           <a:p>
             <a:pPr marL="171450" indent="-171450">
@@ -2302,7 +2340,7 @@
             </a:r>
             <a:r>
               <a:rPr lang="en-US" dirty="0" err="1"/>
-              <a:t>funcionario</a:t>
+              <a:t>funcionário</a:t>
             </a:r>
             <a:r>
               <a:rPr lang="en-US" dirty="0"/>
@@ -2584,7 +2622,7 @@
             </a:r>
             <a:r>
               <a:rPr lang="en-US" dirty="0"/>
-              <a:t> </a:t>
+              <a:t>, </a:t>
             </a:r>
             <a:r>
               <a:rPr lang="en-US" dirty="0" err="1"/>
@@ -2592,7 +2630,7 @@
             </a:r>
             <a:r>
               <a:rPr lang="en-US" dirty="0"/>
-              <a:t> o front e back endo no Azure App Services </a:t>
+              <a:t> o front e back end no Azure App Services </a:t>
             </a:r>
             <a:r>
               <a:rPr lang="en-US" dirty="0" err="1"/>
@@ -2612,7 +2650,7 @@
             </a:r>
             <a:r>
               <a:rPr lang="en-US" dirty="0" err="1"/>
-              <a:t>automatico</a:t>
+              <a:t>automático</a:t>
             </a:r>
             <a:r>
               <a:rPr lang="en-US" dirty="0"/>
@@ -2622,7 +2660,7 @@
           <a:p>
             <a:r>
               <a:rPr lang="en-US" dirty="0"/>
-              <a:t>Para a base de dados </a:t>
+              <a:t>Para a base de dados, </a:t>
             </a:r>
             <a:r>
               <a:rPr lang="en-US" dirty="0" err="1"/>
@@ -2635,12 +2673,16 @@
           </a:p>
           <a:p>
             <a:r>
+              <a:rPr lang="en-US" dirty="0" err="1"/>
+              <a:t>Relatórios</a:t>
+            </a:r>
+            <a:r>
               <a:rPr lang="en-US" dirty="0"/>
-              <a:t>E </a:t>
+              <a:t> </a:t>
             </a:r>
             <a:r>
               <a:rPr lang="en-US" dirty="0" err="1"/>
-              <a:t>relatórios</a:t>
+              <a:t>foram</a:t>
             </a:r>
             <a:r>
               <a:rPr lang="en-US" dirty="0"/>
@@ -17746,7 +17788,7 @@
             </a:pPr>
             <a:r>
               <a:rPr lang="en-US" sz="2800" cap="small" dirty="0"/>
-              <a:t>Is to develop a notification center for several channels (SMS, Email, WhatsApp, Teams, Signal, Telegram, etc.) of Aubay messages for employees. The application must have an interface for introducing contacts, messages by channels, data import through CSV and </a:t>
+              <a:t>develop a notification center for several channels (SMS, Email, WhatsApp, Teams, Signal, Telegram, etc.) of Aubay messages for employees. The application must have an interface for introducing contacts, messages by channels, data import through CSV and </a:t>
             </a:r>
             <a:r>
               <a:rPr lang="en-US" sz="2800" cap="small" dirty="0" err="1"/>
@@ -18362,7 +18404,7 @@
         </p:spPr>
         <p:txBody>
           <a:bodyPr>
-            <a:normAutofit fontScale="85000" lnSpcReduction="10000"/>
+            <a:normAutofit lnSpcReduction="10000"/>
           </a:bodyPr>
           <a:lstStyle/>
           <a:p>
@@ -18377,45 +18419,16 @@
           <a:p>
             <a:pPr algn="just"/>
             <a:r>
-              <a:rPr lang="en-US" sz="2800" cap="small" dirty="0" err="1"/>
-              <a:t>Cadastro</a:t>
-            </a:r>
-            <a:r>
               <a:rPr lang="en-US" sz="2800" cap="small" dirty="0"/>
-              <a:t> de </a:t>
-            </a:r>
-            <a:r>
-              <a:rPr lang="en-US" sz="2800" cap="small" dirty="0" err="1"/>
-              <a:t>Usuários</a:t>
-            </a:r>
+              <a:t>System Users</a:t>
+            </a:r>
+          </a:p>
+          <a:p>
+            <a:pPr algn="just"/>
             <a:r>
               <a:rPr lang="en-US" sz="2800" cap="small" dirty="0"/>
-              <a:t> Do Sistema</a:t>
-            </a:r>
-          </a:p>
-          <a:p>
-            <a:pPr algn="just"/>
-            <a:r>
-              <a:rPr lang="en-US" sz="2800" cap="small" dirty="0" err="1"/>
-              <a:t>Configurações</a:t>
-            </a:r>
-            <a:r>
-              <a:rPr lang="en-US" sz="2800" cap="small" dirty="0"/>
-              <a:t> de </a:t>
-            </a:r>
-            <a:r>
-              <a:rPr lang="en-US" sz="2800" cap="small" dirty="0" err="1"/>
-              <a:t>Serviço</a:t>
-            </a:r>
-            <a:r>
-              <a:rPr lang="en-US" sz="2800" cap="small" dirty="0"/>
-              <a:t> de </a:t>
-            </a:r>
-            <a:r>
-              <a:rPr lang="en-US" sz="2800" cap="small" dirty="0" err="1"/>
-              <a:t>Mensageria</a:t>
-            </a:r>
-            <a:endParaRPr lang="en-US" sz="2800" cap="small" dirty="0"/>
+              <a:t>Services Message Configuration</a:t>
+            </a:r>
           </a:p>
         </p:txBody>
       </p:sp>
@@ -18435,7 +18448,7 @@
         </p:nvSpPr>
         <p:spPr>
           <a:xfrm>
-            <a:off x="6633686" y="3017520"/>
+            <a:off x="7103586" y="3017520"/>
             <a:ext cx="4076700" cy="2617470"/>
           </a:xfrm>
           <a:prstGeom prst="rect">
@@ -18668,58 +18681,30 @@
           <a:p>
             <a:pPr algn="just"/>
             <a:r>
-              <a:rPr lang="en-US" sz="2800" cap="small" dirty="0" err="1"/>
-              <a:t>Cadastro</a:t>
-            </a:r>
-            <a:r>
               <a:rPr lang="en-US" sz="2800" cap="small" dirty="0"/>
-              <a:t> de </a:t>
-            </a:r>
-            <a:r>
-              <a:rPr lang="en-US" sz="2800" cap="small" dirty="0" err="1"/>
-              <a:t>Campanhas</a:t>
-            </a:r>
-            <a:endParaRPr lang="en-US" sz="2800" cap="small" dirty="0"/>
+              <a:t>Campaign</a:t>
+            </a:r>
           </a:p>
           <a:p>
             <a:pPr algn="just"/>
             <a:r>
-              <a:rPr lang="en-US" sz="2800" cap="small" dirty="0" err="1"/>
-              <a:t>Cadastro</a:t>
-            </a:r>
-            <a:r>
               <a:rPr lang="en-US" sz="2800" cap="small" dirty="0"/>
-              <a:t> de </a:t>
-            </a:r>
-            <a:r>
-              <a:rPr lang="en-US" sz="2800" cap="small" dirty="0" err="1"/>
-              <a:t>Contatos</a:t>
-            </a:r>
-            <a:endParaRPr lang="en-US" sz="2800" cap="small" dirty="0"/>
+              <a:t>Contacts</a:t>
+            </a:r>
           </a:p>
           <a:p>
             <a:pPr algn="just"/>
             <a:r>
-              <a:rPr lang="en-US" sz="2800" cap="small" dirty="0" err="1"/>
-              <a:t>Disparo</a:t>
-            </a:r>
-            <a:r>
               <a:rPr lang="en-US" sz="2800" cap="small" dirty="0"/>
-              <a:t> de </a:t>
-            </a:r>
-            <a:r>
-              <a:rPr lang="en-US" sz="2800" cap="small" dirty="0" err="1"/>
-              <a:t>Mensagens</a:t>
-            </a:r>
-            <a:endParaRPr lang="en-US" sz="2800" cap="small" dirty="0"/>
+              <a:t>Message dispatch</a:t>
+            </a:r>
           </a:p>
           <a:p>
             <a:pPr algn="just"/>
             <a:r>
-              <a:rPr lang="en-US" sz="2800" cap="small" dirty="0" err="1"/>
-              <a:t>Relatórios</a:t>
-            </a:r>
-            <a:endParaRPr lang="en-US" sz="2800" cap="small" dirty="0"/>
+              <a:rPr lang="en-US" sz="2800" cap="small" dirty="0"/>
+              <a:t>Report</a:t>
+            </a:r>
           </a:p>
         </p:txBody>
       </p:sp>
@@ -19376,6 +19361,72 @@
           <a:prstGeom prst="rect">
             <a:avLst/>
           </a:prstGeom>
+        </p:spPr>
+      </p:pic>
+      <p:pic>
+        <p:nvPicPr>
+          <p:cNvPr id="1026" name="Picture 2">
+            <a:extLst>
+              <a:ext uri="{FF2B5EF4-FFF2-40B4-BE49-F238E27FC236}">
+                <a16:creationId xmlns:a16="http://schemas.microsoft.com/office/drawing/2014/main" id="{7CD3DE5B-764D-2C83-C79C-9C92EE263A6A}"/>
+              </a:ext>
+            </a:extLst>
+          </p:cNvPr>
+          <p:cNvPicPr>
+            <a:picLocks noChangeAspect="1" noChangeArrowheads="1"/>
+          </p:cNvPicPr>
+          <p:nvPr/>
+        </p:nvPicPr>
+        <p:blipFill>
+          <a:blip r:embed="rId12">
+            <a:extLst>
+              <a:ext uri="{BEBA8EAE-BF5A-486C-A8C5-ECC9F3942E4B}">
+                <a14:imgProps xmlns:a14="http://schemas.microsoft.com/office/drawing/2010/main">
+                  <a14:imgLayer r:embed="rId13">
+                    <a14:imgEffect>
+                      <a14:backgroundRemoval t="10000" b="90000" l="7300" r="92700">
+                        <a14:foregroundMark x1="7300" y1="41905" x2="7300" y2="41905"/>
+                        <a14:foregroundMark x1="27600" y1="42381" x2="27600" y2="42381"/>
+                        <a14:foregroundMark x1="42200" y1="56190" x2="42200" y2="56190"/>
+                        <a14:foregroundMark x1="46400" y1="52619" x2="46400" y2="52619"/>
+                        <a14:foregroundMark x1="60100" y1="45000" x2="60100" y2="45000"/>
+                        <a14:foregroundMark x1="67400" y1="29762" x2="67400" y2="29762"/>
+                        <a14:foregroundMark x1="67400" y1="52619" x2="67400" y2="52619"/>
+                        <a14:foregroundMark x1="72800" y1="43571" x2="72800" y2="43571"/>
+                        <a14:foregroundMark x1="92700" y1="50714" x2="92700" y2="50714"/>
+                      </a14:backgroundRemoval>
+                    </a14:imgEffect>
+                  </a14:imgLayer>
+                </a14:imgProps>
+              </a:ext>
+              <a:ext uri="{28A0092B-C50C-407E-A947-70E740481C1C}">
+                <a14:useLocalDpi xmlns:a14="http://schemas.microsoft.com/office/drawing/2010/main" val="0"/>
+              </a:ext>
+            </a:extLst>
+          </a:blip>
+          <a:srcRect/>
+          <a:stretch>
+            <a:fillRect/>
+          </a:stretch>
+        </p:blipFill>
+        <p:spPr bwMode="auto">
+          <a:xfrm>
+            <a:off x="4621938" y="5176655"/>
+            <a:ext cx="2207286" cy="927060"/>
+          </a:xfrm>
+          <a:prstGeom prst="rect">
+            <a:avLst/>
+          </a:prstGeom>
+          <a:noFill/>
+          <a:extLst>
+            <a:ext uri="{909E8E84-426E-40DD-AFC4-6F175D3DCCD1}">
+              <a14:hiddenFill xmlns:a14="http://schemas.microsoft.com/office/drawing/2010/main">
+                <a:solidFill>
+                  <a:srgbClr val="FFFFFF"/>
+                </a:solidFill>
+              </a14:hiddenFill>
+            </a:ext>
+          </a:extLst>
         </p:spPr>
       </p:pic>
     </p:spTree>
@@ -20679,6 +20730,15 @@
 </file>
 
 <file path=customXml/item1.xml><?xml version="1.0" encoding="utf-8"?>
+<?mso-contentType ?>
+<FormTemplates xmlns="http://schemas.microsoft.com/sharepoint/v3/contenttype/forms">
+  <Display>DocumentLibraryForm</Display>
+  <Edit>DocumentLibraryForm</Edit>
+  <New>DocumentLibraryForm</New>
+</FormTemplates>
+</file>
+
+<file path=customXml/item2.xml><?xml version="1.0" encoding="utf-8"?>
 <ct:contentTypeSchema xmlns:ct="http://schemas.microsoft.com/office/2006/metadata/contentType" xmlns:ma="http://schemas.microsoft.com/office/2006/metadata/properties/metaAttributes" ct:_="" ma:_="" ma:contentTypeName="Document" ma:contentTypeID="0x01010079F111ED35F8CC479449609E8A0923A6" ma:contentTypeVersion="12" ma:contentTypeDescription="Create a new document." ma:contentTypeScope="" ma:versionID="93813dd7ca6ad654711aa0ab317e03a3">
   <xsd:schema xmlns:xsd="http://www.w3.org/2001/XMLSchema" xmlns:xs="http://www.w3.org/2001/XMLSchema" xmlns:p="http://schemas.microsoft.com/office/2006/metadata/properties" xmlns:ns2="71af3243-3dd4-4a8d-8c0d-dd76da1f02a5" xmlns:ns3="16c05727-aa75-4e4a-9b5f-8a80a1165891" targetNamespace="http://schemas.microsoft.com/office/2006/metadata/properties" ma:root="true" ma:fieldsID="f11dc0ce689dd3925e84e4e35398c6e7" ns2:_="" ns3:_="">
     <xsd:import namespace="71af3243-3dd4-4a8d-8c0d-dd76da1f02a5"/>
@@ -20899,15 +20959,6 @@
 </ct:contentTypeSchema>
 </file>
 
-<file path=customXml/item2.xml><?xml version="1.0" encoding="utf-8"?>
-<?mso-contentType ?>
-<FormTemplates xmlns="http://schemas.microsoft.com/sharepoint/v3/contenttype/forms">
-  <Display>DocumentLibraryForm</Display>
-  <Edit>DocumentLibraryForm</Edit>
-  <New>DocumentLibraryForm</New>
-</FormTemplates>
-</file>
-
 <file path=customXml/item3.xml><?xml version="1.0" encoding="utf-8"?>
 <p:properties xmlns:p="http://schemas.microsoft.com/office/2006/metadata/properties" xmlns:xsi="http://www.w3.org/2001/XMLSchema-instance" xmlns:pc="http://schemas.microsoft.com/office/infopath/2007/PartnerControls">
   <documentManagement>
@@ -20918,6 +20969,14 @@
 </file>
 
 <file path=customXml/itemProps1.xml><?xml version="1.0" encoding="utf-8"?>
+<ds:datastoreItem xmlns:ds="http://schemas.openxmlformats.org/officeDocument/2006/customXml" ds:itemID="{A0D51BCB-0419-432E-B7F1-25548446A625}">
+  <ds:schemaRefs>
+    <ds:schemaRef ds:uri="http://schemas.microsoft.com/sharepoint/v3/contenttype/forms"/>
+  </ds:schemaRefs>
+</ds:datastoreItem>
+</file>
+
+<file path=customXml/itemProps2.xml><?xml version="1.0" encoding="utf-8"?>
 <ds:datastoreItem xmlns:ds="http://schemas.openxmlformats.org/officeDocument/2006/customXml" ds:itemID="{9E8D3305-1D9D-4BC8-A40F-6F8AE50BD76B}">
   <ds:schemaRefs>
     <ds:schemaRef ds:uri="http://schemas.microsoft.com/office/2006/metadata/contentType"/>
@@ -20936,14 +20995,6 @@
 </ds:datastoreItem>
 </file>
 
-<file path=customXml/itemProps2.xml><?xml version="1.0" encoding="utf-8"?>
-<ds:datastoreItem xmlns:ds="http://schemas.openxmlformats.org/officeDocument/2006/customXml" ds:itemID="{A0D51BCB-0419-432E-B7F1-25548446A625}">
-  <ds:schemaRefs>
-    <ds:schemaRef ds:uri="http://schemas.microsoft.com/sharepoint/v3/contenttype/forms"/>
-  </ds:schemaRefs>
-</ds:datastoreItem>
-</file>
-
 <file path=customXml/itemProps3.xml><?xml version="1.0" encoding="utf-8"?>
 <ds:datastoreItem xmlns:ds="http://schemas.openxmlformats.org/officeDocument/2006/customXml" ds:itemID="{1F08B90B-70ED-4539-9C14-FB2728D9064F}">
   <ds:schemaRefs>
